--- a/아이콘편집/고뱃 아이콘.pptx
+++ b/아이콘편집/고뱃 아이콘.pptx
@@ -106,6 +106,11 @@
       </a:defRPr>
     </a:lvl9pPr>
   </p:defaultTextStyle>
+  <p:extLst>
+    <p:ext uri="{EFAFB233-063F-42B5-8137-9DF3F51BA10A}">
+      <p15:sldGuideLst xmlns:p15="http://schemas.microsoft.com/office/powerpoint/2012/main"/>
+    </p:ext>
+  </p:extLst>
 </p:presentation>
 </file>
 
@@ -256,7 +261,7 @@
           <a:p>
             <a:fld id="{7EB1C62E-704C-4ACE-B7DB-FE8943BFC5FD}" type="datetimeFigureOut">
               <a:rPr lang="ko-KR" altLang="en-US" smtClean="0"/>
-              <a:t>2023-11-21</a:t>
+              <a:t>2023-11-22</a:t>
             </a:fld>
             <a:endParaRPr lang="ko-KR" altLang="en-US"/>
           </a:p>
@@ -454,7 +459,7 @@
           <a:p>
             <a:fld id="{7EB1C62E-704C-4ACE-B7DB-FE8943BFC5FD}" type="datetimeFigureOut">
               <a:rPr lang="ko-KR" altLang="en-US" smtClean="0"/>
-              <a:t>2023-11-21</a:t>
+              <a:t>2023-11-22</a:t>
             </a:fld>
             <a:endParaRPr lang="ko-KR" altLang="en-US"/>
           </a:p>
@@ -662,7 +667,7 @@
           <a:p>
             <a:fld id="{7EB1C62E-704C-4ACE-B7DB-FE8943BFC5FD}" type="datetimeFigureOut">
               <a:rPr lang="ko-KR" altLang="en-US" smtClean="0"/>
-              <a:t>2023-11-21</a:t>
+              <a:t>2023-11-22</a:t>
             </a:fld>
             <a:endParaRPr lang="ko-KR" altLang="en-US"/>
           </a:p>
@@ -860,7 +865,7 @@
           <a:p>
             <a:fld id="{7EB1C62E-704C-4ACE-B7DB-FE8943BFC5FD}" type="datetimeFigureOut">
               <a:rPr lang="ko-KR" altLang="en-US" smtClean="0"/>
-              <a:t>2023-11-21</a:t>
+              <a:t>2023-11-22</a:t>
             </a:fld>
             <a:endParaRPr lang="ko-KR" altLang="en-US"/>
           </a:p>
@@ -1135,7 +1140,7 @@
           <a:p>
             <a:fld id="{7EB1C62E-704C-4ACE-B7DB-FE8943BFC5FD}" type="datetimeFigureOut">
               <a:rPr lang="ko-KR" altLang="en-US" smtClean="0"/>
-              <a:t>2023-11-21</a:t>
+              <a:t>2023-11-22</a:t>
             </a:fld>
             <a:endParaRPr lang="ko-KR" altLang="en-US"/>
           </a:p>
@@ -1400,7 +1405,7 @@
           <a:p>
             <a:fld id="{7EB1C62E-704C-4ACE-B7DB-FE8943BFC5FD}" type="datetimeFigureOut">
               <a:rPr lang="ko-KR" altLang="en-US" smtClean="0"/>
-              <a:t>2023-11-21</a:t>
+              <a:t>2023-11-22</a:t>
             </a:fld>
             <a:endParaRPr lang="ko-KR" altLang="en-US"/>
           </a:p>
@@ -1812,7 +1817,7 @@
           <a:p>
             <a:fld id="{7EB1C62E-704C-4ACE-B7DB-FE8943BFC5FD}" type="datetimeFigureOut">
               <a:rPr lang="ko-KR" altLang="en-US" smtClean="0"/>
-              <a:t>2023-11-21</a:t>
+              <a:t>2023-11-22</a:t>
             </a:fld>
             <a:endParaRPr lang="ko-KR" altLang="en-US"/>
           </a:p>
@@ -1953,7 +1958,7 @@
           <a:p>
             <a:fld id="{7EB1C62E-704C-4ACE-B7DB-FE8943BFC5FD}" type="datetimeFigureOut">
               <a:rPr lang="ko-KR" altLang="en-US" smtClean="0"/>
-              <a:t>2023-11-21</a:t>
+              <a:t>2023-11-22</a:t>
             </a:fld>
             <a:endParaRPr lang="ko-KR" altLang="en-US"/>
           </a:p>
@@ -2066,7 +2071,7 @@
           <a:p>
             <a:fld id="{7EB1C62E-704C-4ACE-B7DB-FE8943BFC5FD}" type="datetimeFigureOut">
               <a:rPr lang="ko-KR" altLang="en-US" smtClean="0"/>
-              <a:t>2023-11-21</a:t>
+              <a:t>2023-11-22</a:t>
             </a:fld>
             <a:endParaRPr lang="ko-KR" altLang="en-US"/>
           </a:p>
@@ -2377,7 +2382,7 @@
           <a:p>
             <a:fld id="{7EB1C62E-704C-4ACE-B7DB-FE8943BFC5FD}" type="datetimeFigureOut">
               <a:rPr lang="ko-KR" altLang="en-US" smtClean="0"/>
-              <a:t>2023-11-21</a:t>
+              <a:t>2023-11-22</a:t>
             </a:fld>
             <a:endParaRPr lang="ko-KR" altLang="en-US"/>
           </a:p>
@@ -2665,7 +2670,7 @@
           <a:p>
             <a:fld id="{7EB1C62E-704C-4ACE-B7DB-FE8943BFC5FD}" type="datetimeFigureOut">
               <a:rPr lang="ko-KR" altLang="en-US" smtClean="0"/>
-              <a:t>2023-11-21</a:t>
+              <a:t>2023-11-22</a:t>
             </a:fld>
             <a:endParaRPr lang="ko-KR" altLang="en-US"/>
           </a:p>
@@ -2911,7 +2916,7 @@
           <a:p>
             <a:fld id="{7EB1C62E-704C-4ACE-B7DB-FE8943BFC5FD}" type="datetimeFigureOut">
               <a:rPr lang="ko-KR" altLang="en-US" smtClean="0"/>
-              <a:t>2023-11-21</a:t>
+              <a:t>2023-11-22</a:t>
             </a:fld>
             <a:endParaRPr lang="ko-KR" altLang="en-US"/>
           </a:p>
@@ -3554,6 +3559,42 @@
           </a:p>
         </p:txBody>
       </p:sp>
+      <p:pic>
+        <p:nvPicPr>
+          <p:cNvPr id="3" name="그림 2" descr="폰트, 그래픽, 로고, 상징이(가) 표시된 사진&#10;&#10;자동 생성된 설명">
+            <a:extLst>
+              <a:ext uri="{FF2B5EF4-FFF2-40B4-BE49-F238E27FC236}">
+                <a16:creationId xmlns:a16="http://schemas.microsoft.com/office/drawing/2014/main" id="{999EAAA6-F8E5-F726-0D3D-2731D9F6D477}"/>
+              </a:ext>
+            </a:extLst>
+          </p:cNvPr>
+          <p:cNvPicPr>
+            <a:picLocks noChangeAspect="1"/>
+          </p:cNvPicPr>
+          <p:nvPr/>
+        </p:nvPicPr>
+        <p:blipFill>
+          <a:blip r:embed="rId2">
+            <a:extLst>
+              <a:ext uri="{28A0092B-C50C-407E-A947-70E740481C1C}">
+                <a14:useLocalDpi xmlns:a14="http://schemas.microsoft.com/office/drawing/2010/main" val="0"/>
+              </a:ext>
+            </a:extLst>
+          </a:blip>
+          <a:stretch>
+            <a:fillRect/>
+          </a:stretch>
+        </p:blipFill>
+        <p:spPr>
+          <a:xfrm>
+            <a:off x="1544941" y="91150"/>
+            <a:ext cx="9102117" cy="6675699"/>
+          </a:xfrm>
+          <a:prstGeom prst="rect">
+            <a:avLst/>
+          </a:prstGeom>
+        </p:spPr>
+      </p:pic>
     </p:spTree>
     <p:extLst>
       <p:ext uri="{BB962C8B-B14F-4D97-AF65-F5344CB8AC3E}">

--- a/아이콘편집/고뱃 아이콘.pptx
+++ b/아이콘편집/고뱃 아이콘.pptx
@@ -6,8 +6,9 @@
   </p:sldMasterIdLst>
   <p:sldIdLst>
     <p:sldId id="256" r:id="rId2"/>
-    <p:sldId id="257" r:id="rId3"/>
-    <p:sldId id="258" r:id="rId4"/>
+    <p:sldId id="259" r:id="rId3"/>
+    <p:sldId id="257" r:id="rId4"/>
+    <p:sldId id="258" r:id="rId5"/>
   </p:sldIdLst>
   <p:sldSz cx="12192000" cy="6858000"/>
   <p:notesSz cx="6858000" cy="9144000"/>
@@ -261,7 +262,7 @@
           <a:p>
             <a:fld id="{7EB1C62E-704C-4ACE-B7DB-FE8943BFC5FD}" type="datetimeFigureOut">
               <a:rPr lang="ko-KR" altLang="en-US" smtClean="0"/>
-              <a:t>2023-11-22</a:t>
+              <a:t>2023-11-25</a:t>
             </a:fld>
             <a:endParaRPr lang="ko-KR" altLang="en-US"/>
           </a:p>
@@ -459,7 +460,7 @@
           <a:p>
             <a:fld id="{7EB1C62E-704C-4ACE-B7DB-FE8943BFC5FD}" type="datetimeFigureOut">
               <a:rPr lang="ko-KR" altLang="en-US" smtClean="0"/>
-              <a:t>2023-11-22</a:t>
+              <a:t>2023-11-25</a:t>
             </a:fld>
             <a:endParaRPr lang="ko-KR" altLang="en-US"/>
           </a:p>
@@ -667,7 +668,7 @@
           <a:p>
             <a:fld id="{7EB1C62E-704C-4ACE-B7DB-FE8943BFC5FD}" type="datetimeFigureOut">
               <a:rPr lang="ko-KR" altLang="en-US" smtClean="0"/>
-              <a:t>2023-11-22</a:t>
+              <a:t>2023-11-25</a:t>
             </a:fld>
             <a:endParaRPr lang="ko-KR" altLang="en-US"/>
           </a:p>
@@ -865,7 +866,7 @@
           <a:p>
             <a:fld id="{7EB1C62E-704C-4ACE-B7DB-FE8943BFC5FD}" type="datetimeFigureOut">
               <a:rPr lang="ko-KR" altLang="en-US" smtClean="0"/>
-              <a:t>2023-11-22</a:t>
+              <a:t>2023-11-25</a:t>
             </a:fld>
             <a:endParaRPr lang="ko-KR" altLang="en-US"/>
           </a:p>
@@ -1140,7 +1141,7 @@
           <a:p>
             <a:fld id="{7EB1C62E-704C-4ACE-B7DB-FE8943BFC5FD}" type="datetimeFigureOut">
               <a:rPr lang="ko-KR" altLang="en-US" smtClean="0"/>
-              <a:t>2023-11-22</a:t>
+              <a:t>2023-11-25</a:t>
             </a:fld>
             <a:endParaRPr lang="ko-KR" altLang="en-US"/>
           </a:p>
@@ -1405,7 +1406,7 @@
           <a:p>
             <a:fld id="{7EB1C62E-704C-4ACE-B7DB-FE8943BFC5FD}" type="datetimeFigureOut">
               <a:rPr lang="ko-KR" altLang="en-US" smtClean="0"/>
-              <a:t>2023-11-22</a:t>
+              <a:t>2023-11-25</a:t>
             </a:fld>
             <a:endParaRPr lang="ko-KR" altLang="en-US"/>
           </a:p>
@@ -1817,7 +1818,7 @@
           <a:p>
             <a:fld id="{7EB1C62E-704C-4ACE-B7DB-FE8943BFC5FD}" type="datetimeFigureOut">
               <a:rPr lang="ko-KR" altLang="en-US" smtClean="0"/>
-              <a:t>2023-11-22</a:t>
+              <a:t>2023-11-25</a:t>
             </a:fld>
             <a:endParaRPr lang="ko-KR" altLang="en-US"/>
           </a:p>
@@ -1958,7 +1959,7 @@
           <a:p>
             <a:fld id="{7EB1C62E-704C-4ACE-B7DB-FE8943BFC5FD}" type="datetimeFigureOut">
               <a:rPr lang="ko-KR" altLang="en-US" smtClean="0"/>
-              <a:t>2023-11-22</a:t>
+              <a:t>2023-11-25</a:t>
             </a:fld>
             <a:endParaRPr lang="ko-KR" altLang="en-US"/>
           </a:p>
@@ -2071,7 +2072,7 @@
           <a:p>
             <a:fld id="{7EB1C62E-704C-4ACE-B7DB-FE8943BFC5FD}" type="datetimeFigureOut">
               <a:rPr lang="ko-KR" altLang="en-US" smtClean="0"/>
-              <a:t>2023-11-22</a:t>
+              <a:t>2023-11-25</a:t>
             </a:fld>
             <a:endParaRPr lang="ko-KR" altLang="en-US"/>
           </a:p>
@@ -2382,7 +2383,7 @@
           <a:p>
             <a:fld id="{7EB1C62E-704C-4ACE-B7DB-FE8943BFC5FD}" type="datetimeFigureOut">
               <a:rPr lang="ko-KR" altLang="en-US" smtClean="0"/>
-              <a:t>2023-11-22</a:t>
+              <a:t>2023-11-25</a:t>
             </a:fld>
             <a:endParaRPr lang="ko-KR" altLang="en-US"/>
           </a:p>
@@ -2670,7 +2671,7 @@
           <a:p>
             <a:fld id="{7EB1C62E-704C-4ACE-B7DB-FE8943BFC5FD}" type="datetimeFigureOut">
               <a:rPr lang="ko-KR" altLang="en-US" smtClean="0"/>
-              <a:t>2023-11-22</a:t>
+              <a:t>2023-11-25</a:t>
             </a:fld>
             <a:endParaRPr lang="ko-KR" altLang="en-US"/>
           </a:p>
@@ -2916,7 +2917,7 @@
           <a:p>
             <a:fld id="{7EB1C62E-704C-4ACE-B7DB-FE8943BFC5FD}" type="datetimeFigureOut">
               <a:rPr lang="ko-KR" altLang="en-US" smtClean="0"/>
-              <a:t>2023-11-22</a:t>
+              <a:t>2023-11-25</a:t>
             </a:fld>
             <a:endParaRPr lang="ko-KR" altLang="en-US"/>
           </a:p>
@@ -3498,6 +3499,163 @@
         </p:nvSpPr>
         <p:spPr>
           <a:xfrm>
+            <a:off x="2862171" y="783770"/>
+            <a:ext cx="6169012" cy="5290458"/>
+          </a:xfrm>
+          <a:prstGeom prst="wedgeEllipseCallout">
+            <a:avLst/>
+          </a:prstGeom>
+          <a:gradFill flip="none" rotWithShape="1">
+            <a:gsLst>
+              <a:gs pos="0">
+                <a:srgbClr val="62F7FE">
+                  <a:shade val="30000"/>
+                  <a:satMod val="115000"/>
+                </a:srgbClr>
+              </a:gs>
+              <a:gs pos="50000">
+                <a:srgbClr val="62F7FE">
+                  <a:shade val="67500"/>
+                  <a:satMod val="115000"/>
+                </a:srgbClr>
+              </a:gs>
+              <a:gs pos="100000">
+                <a:srgbClr val="62F7FE">
+                  <a:shade val="100000"/>
+                  <a:satMod val="115000"/>
+                </a:srgbClr>
+              </a:gs>
+            </a:gsLst>
+            <a:lin ang="16200000" scaled="1"/>
+            <a:tileRect/>
+          </a:gradFill>
+          <a:ln>
+            <a:solidFill>
+              <a:srgbClr val="62F7FE"/>
+            </a:solidFill>
+          </a:ln>
+        </p:spPr>
+        <p:style>
+          <a:lnRef idx="1">
+            <a:schemeClr val="accent5"/>
+          </a:lnRef>
+          <a:fillRef idx="3">
+            <a:schemeClr val="accent5"/>
+          </a:fillRef>
+          <a:effectRef idx="2">
+            <a:schemeClr val="accent5"/>
+          </a:effectRef>
+          <a:fontRef idx="minor">
+            <a:schemeClr val="lt1"/>
+          </a:fontRef>
+        </p:style>
+        <p:txBody>
+          <a:bodyPr rtlCol="0" anchor="ctr"/>
+          <a:lstStyle/>
+          <a:p>
+            <a:pPr algn="ctr"/>
+            <a:endParaRPr lang="ko-KR" altLang="en-US"/>
+          </a:p>
+        </p:txBody>
+      </p:sp>
+      <p:sp>
+        <p:nvSpPr>
+          <p:cNvPr id="2" name="빼기 기호 1">
+            <a:extLst>
+              <a:ext uri="{FF2B5EF4-FFF2-40B4-BE49-F238E27FC236}">
+                <a16:creationId xmlns:a16="http://schemas.microsoft.com/office/drawing/2014/main" id="{68935270-B781-176A-1DB1-FBA94D88139D}"/>
+              </a:ext>
+            </a:extLst>
+          </p:cNvPr>
+          <p:cNvSpPr/>
+          <p:nvPr/>
+        </p:nvSpPr>
+        <p:spPr>
+          <a:xfrm>
+            <a:off x="3298219" y="2034183"/>
+            <a:ext cx="5296916" cy="2789631"/>
+          </a:xfrm>
+          <a:prstGeom prst="mathMinus">
+            <a:avLst/>
+          </a:prstGeom>
+          <a:solidFill>
+            <a:schemeClr val="bg1"/>
+          </a:solidFill>
+          <a:ln>
+            <a:solidFill>
+              <a:schemeClr val="bg1"/>
+            </a:solidFill>
+          </a:ln>
+        </p:spPr>
+        <p:style>
+          <a:lnRef idx="2">
+            <a:schemeClr val="accent1">
+              <a:shade val="15000"/>
+            </a:schemeClr>
+          </a:lnRef>
+          <a:fillRef idx="1">
+            <a:schemeClr val="accent1"/>
+          </a:fillRef>
+          <a:effectRef idx="0">
+            <a:schemeClr val="accent1"/>
+          </a:effectRef>
+          <a:fontRef idx="minor">
+            <a:schemeClr val="lt1"/>
+          </a:fontRef>
+        </p:style>
+        <p:txBody>
+          <a:bodyPr rtlCol="0" anchor="ctr"/>
+          <a:lstStyle/>
+          <a:p>
+            <a:pPr algn="ctr"/>
+            <a:endParaRPr lang="ko-KR" altLang="en-US"/>
+          </a:p>
+        </p:txBody>
+      </p:sp>
+    </p:spTree>
+    <p:extLst>
+      <p:ext uri="{BB962C8B-B14F-4D97-AF65-F5344CB8AC3E}">
+        <p14:creationId xmlns:p14="http://schemas.microsoft.com/office/powerpoint/2010/main" val="3945406957"/>
+      </p:ext>
+    </p:extLst>
+  </p:cSld>
+  <p:clrMapOvr>
+    <a:masterClrMapping/>
+  </p:clrMapOvr>
+</p:sld>
+</file>
+
+<file path=ppt/slides/slide3.xml><?xml version="1.0" encoding="utf-8"?>
+<p:sld xmlns:a="http://schemas.openxmlformats.org/drawingml/2006/main" xmlns:r="http://schemas.openxmlformats.org/officeDocument/2006/relationships" xmlns:p="http://schemas.openxmlformats.org/presentationml/2006/main">
+  <p:cSld>
+    <p:spTree>
+      <p:nvGrpSpPr>
+        <p:cNvPr id="1" name=""/>
+        <p:cNvGrpSpPr/>
+        <p:nvPr/>
+      </p:nvGrpSpPr>
+      <p:grpSpPr>
+        <a:xfrm>
+          <a:off x="0" y="0"/>
+          <a:ext cx="0" cy="0"/>
+          <a:chOff x="0" y="0"/>
+          <a:chExt cx="0" cy="0"/>
+        </a:xfrm>
+      </p:grpSpPr>
+      <p:sp>
+        <p:nvSpPr>
+          <p:cNvPr id="5" name="말풍선: 타원형 4">
+            <a:extLst>
+              <a:ext uri="{FF2B5EF4-FFF2-40B4-BE49-F238E27FC236}">
+                <a16:creationId xmlns:a16="http://schemas.microsoft.com/office/drawing/2014/main" id="{A1166D8C-FFE7-E8F6-64BF-578C42224645}"/>
+              </a:ext>
+            </a:extLst>
+          </p:cNvPr>
+          <p:cNvSpPr/>
+          <p:nvPr/>
+        </p:nvSpPr>
+        <p:spPr>
+          <a:xfrm>
             <a:off x="2862172" y="534389"/>
             <a:ext cx="6169012" cy="5290458"/>
           </a:xfrm>
@@ -3608,7 +3766,7 @@
 </p:sld>
 </file>
 
-<file path=ppt/slides/slide3.xml><?xml version="1.0" encoding="utf-8"?>
+<file path=ppt/slides/slide4.xml><?xml version="1.0" encoding="utf-8"?>
 <p:sld xmlns:a="http://schemas.openxmlformats.org/drawingml/2006/main" xmlns:r="http://schemas.openxmlformats.org/officeDocument/2006/relationships" xmlns:p="http://schemas.openxmlformats.org/presentationml/2006/main">
   <p:cSld>
     <p:bg>
